--- a/Презентация.pptx
+++ b/Презентация.pptx
@@ -110,6 +110,11 @@
       </a:defRPr>
     </a:lvl9pPr>
   </p:defaultTextStyle>
+  <p:extLst>
+    <p:ext uri="{EFAFB233-063F-42B5-8137-9DF3F51BA10A}">
+      <p15:sldGuideLst xmlns:p15="http://schemas.microsoft.com/office/powerpoint/2012/main"/>
+    </p:ext>
+  </p:extLst>
 </p:presentation>
 </file>
 
@@ -575,7 +580,7 @@
           <a:p>
             <a:fld id="{1C2ECD53-A5CD-4489-8F0D-39A003567ABA}" type="datetimeFigureOut">
               <a:rPr lang="ru-RU" smtClean="0"/>
-              <a:t>10.01.2024</a:t>
+              <a:t>11.01.2024</a:t>
             </a:fld>
             <a:endParaRPr lang="ru-RU"/>
           </a:p>
@@ -777,7 +782,7 @@
           <a:p>
             <a:fld id="{1C2ECD53-A5CD-4489-8F0D-39A003567ABA}" type="datetimeFigureOut">
               <a:rPr lang="ru-RU" smtClean="0"/>
-              <a:t>10.01.2024</a:t>
+              <a:t>11.01.2024</a:t>
             </a:fld>
             <a:endParaRPr lang="ru-RU"/>
           </a:p>
@@ -957,7 +962,7 @@
           <a:p>
             <a:fld id="{1C2ECD53-A5CD-4489-8F0D-39A003567ABA}" type="datetimeFigureOut">
               <a:rPr lang="ru-RU" smtClean="0"/>
-              <a:t>10.01.2024</a:t>
+              <a:t>11.01.2024</a:t>
             </a:fld>
             <a:endParaRPr lang="ru-RU"/>
           </a:p>
@@ -1127,7 +1132,7 @@
           <a:p>
             <a:fld id="{1C2ECD53-A5CD-4489-8F0D-39A003567ABA}" type="datetimeFigureOut">
               <a:rPr lang="ru-RU" smtClean="0"/>
-              <a:t>10.01.2024</a:t>
+              <a:t>11.01.2024</a:t>
             </a:fld>
             <a:endParaRPr lang="ru-RU"/>
           </a:p>
@@ -1698,7 +1703,7 @@
           <a:p>
             <a:fld id="{1C2ECD53-A5CD-4489-8F0D-39A003567ABA}" type="datetimeFigureOut">
               <a:rPr lang="ru-RU" smtClean="0"/>
-              <a:t>10.01.2024</a:t>
+              <a:t>11.01.2024</a:t>
             </a:fld>
             <a:endParaRPr lang="ru-RU"/>
           </a:p>
@@ -2000,7 +2005,7 @@
           <a:p>
             <a:fld id="{1C2ECD53-A5CD-4489-8F0D-39A003567ABA}" type="datetimeFigureOut">
               <a:rPr lang="ru-RU" smtClean="0"/>
-              <a:t>10.01.2024</a:t>
+              <a:t>11.01.2024</a:t>
             </a:fld>
             <a:endParaRPr lang="ru-RU"/>
           </a:p>
@@ -2437,7 +2442,7 @@
           <a:p>
             <a:fld id="{1C2ECD53-A5CD-4489-8F0D-39A003567ABA}" type="datetimeFigureOut">
               <a:rPr lang="ru-RU" smtClean="0"/>
-              <a:t>10.01.2024</a:t>
+              <a:t>11.01.2024</a:t>
             </a:fld>
             <a:endParaRPr lang="ru-RU"/>
           </a:p>
@@ -2555,7 +2560,7 @@
           <a:p>
             <a:fld id="{1C2ECD53-A5CD-4489-8F0D-39A003567ABA}" type="datetimeFigureOut">
               <a:rPr lang="ru-RU" smtClean="0"/>
-              <a:t>10.01.2024</a:t>
+              <a:t>11.01.2024</a:t>
             </a:fld>
             <a:endParaRPr lang="ru-RU"/>
           </a:p>
@@ -2650,7 +2655,7 @@
           <a:p>
             <a:fld id="{1C2ECD53-A5CD-4489-8F0D-39A003567ABA}" type="datetimeFigureOut">
               <a:rPr lang="ru-RU" smtClean="0"/>
-              <a:t>10.01.2024</a:t>
+              <a:t>11.01.2024</a:t>
             </a:fld>
             <a:endParaRPr lang="ru-RU"/>
           </a:p>
@@ -3032,7 +3037,7 @@
           <a:p>
             <a:fld id="{1C2ECD53-A5CD-4489-8F0D-39A003567ABA}" type="datetimeFigureOut">
               <a:rPr lang="ru-RU" smtClean="0"/>
-              <a:t>10.01.2024</a:t>
+              <a:t>11.01.2024</a:t>
             </a:fld>
             <a:endParaRPr lang="ru-RU"/>
           </a:p>
@@ -3426,7 +3431,7 @@
           <a:p>
             <a:fld id="{1C2ECD53-A5CD-4489-8F0D-39A003567ABA}" type="datetimeFigureOut">
               <a:rPr lang="ru-RU" smtClean="0"/>
-              <a:t>10.01.2024</a:t>
+              <a:t>11.01.2024</a:t>
             </a:fld>
             <a:endParaRPr lang="ru-RU"/>
           </a:p>
@@ -3739,7 +3744,7 @@
           <a:p>
             <a:fld id="{1C2ECD53-A5CD-4489-8F0D-39A003567ABA}" type="datetimeFigureOut">
               <a:rPr lang="ru-RU" smtClean="0"/>
-              <a:t>10.01.2024</a:t>
+              <a:t>11.01.2024</a:t>
             </a:fld>
             <a:endParaRPr lang="ru-RU"/>
           </a:p>
@@ -5002,7 +5007,19 @@
           <a:p>
             <a:r>
               <a:rPr lang="ru-RU" sz="2000" dirty="0" smtClean="0"/>
-              <a:t>4.Сохранять данные в </a:t>
+              <a:t>4.Сохранять данные </a:t>
+            </a:r>
+            <a:r>
+              <a:rPr lang="ru-RU" sz="2000" dirty="0" smtClean="0"/>
+              <a:t>через </a:t>
+            </a:r>
+            <a:r>
+              <a:rPr lang="ru-RU" sz="2000" smtClean="0"/>
+              <a:t>диалоговое окно </a:t>
+            </a:r>
+            <a:r>
+              <a:rPr lang="ru-RU" sz="2000" smtClean="0"/>
+              <a:t>в </a:t>
             </a:r>
             <a:r>
               <a:rPr lang="en-US" sz="2000" dirty="0" smtClean="0"/>
@@ -5833,7 +5850,6 @@
               <a:rPr lang="ru-RU" sz="2000" dirty="0"/>
               <a:t>.</a:t>
             </a:r>
-            <a:endParaRPr lang="ru-RU" sz="2000" dirty="0"/>
           </a:p>
         </p:txBody>
       </p:sp>
